--- a/Smartlearning.dk/2018/IT-sikkerhed - webinar 1.pptx
+++ b/Smartlearning.dk/2018/IT-sikkerhed - webinar 1.pptx
@@ -241,7 +241,7 @@
             <a:fld id="{B36E17A6-19E7-431B-B84F-272700CAEAB7}" type="datetimeFigureOut">
               <a:rPr lang="da-DK" smtClean="0"/>
               <a:pPr/>
-              <a:t>30-09-2018</a:t>
+              <a:t>10-09-2018</a:t>
             </a:fld>
             <a:endParaRPr lang="da-DK"/>
           </a:p>
@@ -409,11 +409,6 @@
         </p:txBody>
       </p:sp>
     </p:spTree>
-    <p:extLst>
-      <p:ext uri="{BB962C8B-B14F-4D97-AF65-F5344CB8AC3E}">
-        <p14:creationId xmlns:p14="http://schemas.microsoft.com/office/powerpoint/2010/main" val="912776414"/>
-      </p:ext>
-    </p:extLst>
   </p:cSld>
   <p:clrMap bg1="lt1" tx1="dk1" bg2="lt2" tx2="dk2" accent1="accent1" accent2="accent2" accent3="accent3" accent4="accent4" accent5="accent5" accent6="accent6" hlink="hlink" folHlink="folHlink"/>
   <p:notesStyle>
@@ -586,9 +581,97 @@
         </p:txBody>
       </p:sp>
     </p:spTree>
+  </p:cSld>
+  <p:clrMapOvr>
+    <a:masterClrMapping/>
+  </p:clrMapOvr>
+</p:notes>
+</file>
+
+<file path=ppt/notesSlides/notesSlide10.xml><?xml version="1.0" encoding="utf-8"?>
+<p:notes xmlns:a="http://schemas.openxmlformats.org/drawingml/2006/main" xmlns:r="http://schemas.openxmlformats.org/officeDocument/2006/relationships" xmlns:p="http://schemas.openxmlformats.org/presentationml/2006/main">
+  <p:cSld>
+    <p:spTree>
+      <p:nvGrpSpPr>
+        <p:cNvPr id="1" name=""/>
+        <p:cNvGrpSpPr/>
+        <p:nvPr/>
+      </p:nvGrpSpPr>
+      <p:grpSpPr>
+        <a:xfrm>
+          <a:off x="0" y="0"/>
+          <a:ext cx="0" cy="0"/>
+          <a:chOff x="0" y="0"/>
+          <a:chExt cx="0" cy="0"/>
+        </a:xfrm>
+      </p:grpSpPr>
+      <p:sp>
+        <p:nvSpPr>
+          <p:cNvPr id="2" name="Pladsholder til slidebillede 1"/>
+          <p:cNvSpPr>
+            <a:spLocks noGrp="1" noRot="1" noChangeAspect="1"/>
+          </p:cNvSpPr>
+          <p:nvPr>
+            <p:ph type="sldImg"/>
+          </p:nvPr>
+        </p:nvSpPr>
+        <p:spPr/>
+      </p:sp>
+      <p:sp>
+        <p:nvSpPr>
+          <p:cNvPr id="3" name="Pladsholder til noter 2"/>
+          <p:cNvSpPr>
+            <a:spLocks noGrp="1"/>
+          </p:cNvSpPr>
+          <p:nvPr>
+            <p:ph type="body" idx="1"/>
+          </p:nvPr>
+        </p:nvSpPr>
+        <p:spPr/>
+        <p:txBody>
+          <a:bodyPr/>
+          <a:lstStyle/>
+          <a:p>
+            <a:r>
+              <a:rPr lang="da-DK" dirty="0"/>
+              <a:t>Security</a:t>
+            </a:r>
+            <a:r>
+              <a:rPr lang="da-DK" baseline="0" dirty="0"/>
+              <a:t> her er lidt misvisende, da det mere minder om en slags adgangskontrol og om at sikre at folk indefra ikke lækker data. </a:t>
+            </a:r>
+            <a:endParaRPr lang="da-DK" dirty="0"/>
+          </a:p>
+        </p:txBody>
+      </p:sp>
+      <p:sp>
+        <p:nvSpPr>
+          <p:cNvPr id="4" name="Pladsholder til slidenummer 3"/>
+          <p:cNvSpPr>
+            <a:spLocks noGrp="1"/>
+          </p:cNvSpPr>
+          <p:nvPr>
+            <p:ph type="sldNum" sz="quarter" idx="10"/>
+          </p:nvPr>
+        </p:nvSpPr>
+        <p:spPr/>
+        <p:txBody>
+          <a:bodyPr/>
+          <a:lstStyle/>
+          <a:p>
+            <a:fld id="{5D716877-B449-4BC1-B13E-D244F5AFBD0E}" type="slidenum">
+              <a:rPr lang="da-DK" smtClean="0"/>
+              <a:pPr/>
+              <a:t>17</a:t>
+            </a:fld>
+            <a:endParaRPr lang="da-DK"/>
+          </a:p>
+        </p:txBody>
+      </p:sp>
+    </p:spTree>
     <p:extLst>
       <p:ext uri="{BB962C8B-B14F-4D97-AF65-F5344CB8AC3E}">
-        <p14:creationId xmlns:p14="http://schemas.microsoft.com/office/powerpoint/2010/main" val="288527655"/>
+        <p14:creationId xmlns:p14="http://schemas.microsoft.com/office/powerpoint/2010/main" val="3165287184"/>
       </p:ext>
     </p:extLst>
   </p:cSld>
@@ -890,7 +973,7 @@
       </p:grpSpPr>
       <p:sp>
         <p:nvSpPr>
-          <p:cNvPr id="2" name="Pladsholder til diasbillede 1"/>
+          <p:cNvPr id="2" name="Slide Image Placeholder 1"/>
           <p:cNvSpPr>
             <a:spLocks noGrp="1" noRot="1" noChangeAspect="1"/>
           </p:cNvSpPr>
@@ -902,7 +985,7 @@
       </p:sp>
       <p:sp>
         <p:nvSpPr>
-          <p:cNvPr id="3" name="Pladsholder til noter 2"/>
+          <p:cNvPr id="3" name="Notes Placeholder 2"/>
           <p:cNvSpPr>
             <a:spLocks noGrp="1"/>
           </p:cNvSpPr>
@@ -912,23 +995,21 @@
         </p:nvSpPr>
         <p:spPr/>
         <p:txBody>
-          <a:bodyPr>
-            <a:normAutofit/>
-          </a:bodyPr>
-          <a:lstStyle/>
-          <a:p>
-            <a:endParaRPr lang="da-DK" dirty="0"/>
-          </a:p>
-        </p:txBody>
-      </p:sp>
-      <p:sp>
-        <p:nvSpPr>
-          <p:cNvPr id="4" name="Pladsholder til diasnummer 3"/>
-          <p:cNvSpPr>
-            <a:spLocks noGrp="1"/>
-          </p:cNvSpPr>
-          <p:nvPr>
-            <p:ph type="sldNum" sz="quarter" idx="10"/>
+          <a:bodyPr/>
+          <a:lstStyle/>
+          <a:p>
+            <a:endParaRPr lang="en-DK" dirty="0"/>
+          </a:p>
+        </p:txBody>
+      </p:sp>
+      <p:sp>
+        <p:nvSpPr>
+          <p:cNvPr id="4" name="Slide Number Placeholder 3"/>
+          <p:cNvSpPr>
+            <a:spLocks noGrp="1"/>
+          </p:cNvSpPr>
+          <p:nvPr>
+            <p:ph type="sldNum" sz="quarter" idx="5"/>
           </p:nvPr>
         </p:nvSpPr>
         <p:spPr/>
@@ -939,7 +1020,7 @@
             <a:fld id="{5D716877-B449-4BC1-B13E-D244F5AFBD0E}" type="slidenum">
               <a:rPr lang="da-DK" smtClean="0"/>
               <a:pPr/>
-              <a:t>11</a:t>
+              <a:t>9</a:t>
             </a:fld>
             <a:endParaRPr lang="da-DK"/>
           </a:p>
@@ -948,7 +1029,7 @@
     </p:spTree>
     <p:extLst>
       <p:ext uri="{BB962C8B-B14F-4D97-AF65-F5344CB8AC3E}">
-        <p14:creationId xmlns:p14="http://schemas.microsoft.com/office/powerpoint/2010/main" val="2609449366"/>
+        <p14:creationId xmlns:p14="http://schemas.microsoft.com/office/powerpoint/2010/main" val="4006699821"/>
       </p:ext>
     </p:extLst>
   </p:cSld>
@@ -977,7 +1058,7 @@
       </p:grpSpPr>
       <p:sp>
         <p:nvSpPr>
-          <p:cNvPr id="2" name="Pladsholder til slidebillede 1"/>
+          <p:cNvPr id="2" name="Pladsholder til diasbillede 1"/>
           <p:cNvSpPr>
             <a:spLocks noGrp="1" noRot="1" noChangeAspect="1"/>
           </p:cNvSpPr>
@@ -999,24 +1080,18 @@
         </p:nvSpPr>
         <p:spPr/>
         <p:txBody>
-          <a:bodyPr/>
-          <a:lstStyle/>
-          <a:p>
-            <a:r>
-              <a:rPr lang="da-DK" dirty="0"/>
-              <a:t>Spørg om</a:t>
-            </a:r>
-            <a:r>
-              <a:rPr lang="da-DK" baseline="0" dirty="0"/>
-              <a:t> input</a:t>
-            </a:r>
+          <a:bodyPr>
+            <a:normAutofit/>
+          </a:bodyPr>
+          <a:lstStyle/>
+          <a:p>
             <a:endParaRPr lang="da-DK" dirty="0"/>
           </a:p>
         </p:txBody>
       </p:sp>
       <p:sp>
         <p:nvSpPr>
-          <p:cNvPr id="4" name="Pladsholder til slidenummer 3"/>
+          <p:cNvPr id="4" name="Pladsholder til diasnummer 3"/>
           <p:cNvSpPr>
             <a:spLocks noGrp="1"/>
           </p:cNvSpPr>
@@ -1032,18 +1107,13 @@
             <a:fld id="{5D716877-B449-4BC1-B13E-D244F5AFBD0E}" type="slidenum">
               <a:rPr lang="da-DK" smtClean="0"/>
               <a:pPr/>
-              <a:t>13</a:t>
+              <a:t>11</a:t>
             </a:fld>
             <a:endParaRPr lang="da-DK"/>
           </a:p>
         </p:txBody>
       </p:sp>
     </p:spTree>
-    <p:extLst>
-      <p:ext uri="{BB962C8B-B14F-4D97-AF65-F5344CB8AC3E}">
-        <p14:creationId xmlns:p14="http://schemas.microsoft.com/office/powerpoint/2010/main" val="2231272595"/>
-      </p:ext>
-    </p:extLst>
   </p:cSld>
   <p:clrMapOvr>
     <a:masterClrMapping/>
@@ -1095,6 +1165,14 @@
           <a:bodyPr/>
           <a:lstStyle/>
           <a:p>
+            <a:r>
+              <a:rPr lang="da-DK" dirty="0"/>
+              <a:t>Spørg om</a:t>
+            </a:r>
+            <a:r>
+              <a:rPr lang="da-DK" baseline="0" dirty="0"/>
+              <a:t> input</a:t>
+            </a:r>
             <a:endParaRPr lang="da-DK" dirty="0"/>
           </a:p>
         </p:txBody>
@@ -1117,7 +1195,7 @@
             <a:fld id="{5D716877-B449-4BC1-B13E-D244F5AFBD0E}" type="slidenum">
               <a:rPr lang="da-DK" smtClean="0"/>
               <a:pPr/>
-              <a:t>14</a:t>
+              <a:t>13</a:t>
             </a:fld>
             <a:endParaRPr lang="da-DK"/>
           </a:p>
@@ -1126,7 +1204,7 @@
     </p:spTree>
     <p:extLst>
       <p:ext uri="{BB962C8B-B14F-4D97-AF65-F5344CB8AC3E}">
-        <p14:creationId xmlns:p14="http://schemas.microsoft.com/office/powerpoint/2010/main" val="241121383"/>
+        <p14:creationId xmlns:p14="http://schemas.microsoft.com/office/powerpoint/2010/main" val="2231272595"/>
       </p:ext>
     </p:extLst>
   </p:cSld>
@@ -1180,10 +1258,7 @@
           <a:bodyPr/>
           <a:lstStyle/>
           <a:p>
-            <a:r>
-              <a:rPr lang="da-DK" dirty="0"/>
-              <a:t>Bed om input</a:t>
-            </a:r>
+            <a:endParaRPr lang="da-DK" dirty="0"/>
           </a:p>
         </p:txBody>
       </p:sp>
@@ -1205,7 +1280,7 @@
             <a:fld id="{5D716877-B449-4BC1-B13E-D244F5AFBD0E}" type="slidenum">
               <a:rPr lang="da-DK" smtClean="0"/>
               <a:pPr/>
-              <a:t>16</a:t>
+              <a:t>14</a:t>
             </a:fld>
             <a:endParaRPr lang="da-DK"/>
           </a:p>
@@ -1214,7 +1289,7 @@
     </p:spTree>
     <p:extLst>
       <p:ext uri="{BB962C8B-B14F-4D97-AF65-F5344CB8AC3E}">
-        <p14:creationId xmlns:p14="http://schemas.microsoft.com/office/powerpoint/2010/main" val="101720022"/>
+        <p14:creationId xmlns:p14="http://schemas.microsoft.com/office/powerpoint/2010/main" val="241121383"/>
       </p:ext>
     </p:extLst>
   </p:cSld>
@@ -1270,13 +1345,8 @@
           <a:p>
             <a:r>
               <a:rPr lang="da-DK" dirty="0"/>
-              <a:t>Security</a:t>
-            </a:r>
-            <a:r>
-              <a:rPr lang="da-DK" baseline="0" dirty="0"/>
-              <a:t> her er lidt misvisende, da det mere minder om en slags adgangskontrol og om at sikre at folk indefra ikke lækker data. </a:t>
-            </a:r>
-            <a:endParaRPr lang="da-DK" dirty="0"/>
+              <a:t>Bed om input</a:t>
+            </a:r>
           </a:p>
         </p:txBody>
       </p:sp>
@@ -1298,7 +1368,7 @@
             <a:fld id="{5D716877-B449-4BC1-B13E-D244F5AFBD0E}" type="slidenum">
               <a:rPr lang="da-DK" smtClean="0"/>
               <a:pPr/>
-              <a:t>17</a:t>
+              <a:t>16</a:t>
             </a:fld>
             <a:endParaRPr lang="da-DK"/>
           </a:p>
@@ -1307,7 +1377,7 @@
     </p:spTree>
     <p:extLst>
       <p:ext uri="{BB962C8B-B14F-4D97-AF65-F5344CB8AC3E}">
-        <p14:creationId xmlns:p14="http://schemas.microsoft.com/office/powerpoint/2010/main" val="3165287184"/>
+        <p14:creationId xmlns:p14="http://schemas.microsoft.com/office/powerpoint/2010/main" val="101720022"/>
       </p:ext>
     </p:extLst>
   </p:cSld>
@@ -2051,7 +2121,7 @@
           <a:p>
             <a:fld id="{48A87A34-81AB-432B-8DAE-1953F412C126}" type="datetimeFigureOut">
               <a:rPr lang="en-US" smtClean="0"/>
-              <a:t>9/30/2018</a:t>
+              <a:t>9/10/2018</a:t>
             </a:fld>
             <a:endParaRPr lang="en-US" dirty="0"/>
           </a:p>
@@ -2268,7 +2338,7 @@
           <a:p>
             <a:fld id="{48A87A34-81AB-432B-8DAE-1953F412C126}" type="datetimeFigureOut">
               <a:rPr lang="en-US" smtClean="0"/>
-              <a:t>9/30/2018</a:t>
+              <a:t>9/10/2018</a:t>
             </a:fld>
             <a:endParaRPr lang="en-US" dirty="0"/>
           </a:p>
@@ -2553,7 +2623,7 @@
             <a:fld id="{48A87A34-81AB-432B-8DAE-1953F412C126}" type="datetimeFigureOut">
               <a:rPr lang="en-US" smtClean="0"/>
               <a:pPr/>
-              <a:t>9/30/2018</a:t>
+              <a:t>9/10/2018</a:t>
             </a:fld>
             <a:endParaRPr lang="en-US" dirty="0"/>
           </a:p>
@@ -2826,7 +2896,7 @@
           <a:p>
             <a:fld id="{48A87A34-81AB-432B-8DAE-1953F412C126}" type="datetimeFigureOut">
               <a:rPr lang="en-US" smtClean="0"/>
-              <a:t>9/30/2018</a:t>
+              <a:t>9/10/2018</a:t>
             </a:fld>
             <a:endParaRPr lang="en-US" dirty="0"/>
           </a:p>
@@ -3522,7 +3592,7 @@
           <a:p>
             <a:fld id="{48A87A34-81AB-432B-8DAE-1953F412C126}" type="datetimeFigureOut">
               <a:rPr lang="en-US" smtClean="0"/>
-              <a:t>9/30/2018</a:t>
+              <a:t>9/10/2018</a:t>
             </a:fld>
             <a:endParaRPr lang="en-US" dirty="0"/>
           </a:p>
@@ -6621,7 +6691,7 @@
 </file>
 
 <file path=ppt/slideMasters/slideMaster1.xml><?xml version="1.0" encoding="utf-8"?>
-<p:sldMaster xmlns:a="http://schemas.openxmlformats.org/drawingml/2006/main" xmlns:r="http://schemas.openxmlformats.org/officeDocument/2006/relationships" xmlns:p="http://schemas.openxmlformats.org/presentationml/2006/main">
+<p:sldMaster xmlns:a="http://schemas.openxmlformats.org/drawingml/2006/main" xmlns:r="http://schemas.openxmlformats.org/officeDocument/2006/relationships" xmlns:p="http://schemas.openxmlformats.org/presentationml/2006/main" preserve="1">
   <p:cSld>
     <p:bg>
       <p:bgRef idx="1001">
@@ -6769,9 +6839,10 @@
           </a:lstStyle>
           <a:p>
             <a:r>
-              <a:rPr lang="da-DK" dirty="0"/>
+              <a:rPr lang="da-DK"/>
               <a:t>Videregående it-sikkerhed - John List Kølle - Smartlearning</a:t>
             </a:r>
+            <a:endParaRPr lang="da-DK" dirty="0"/>
           </a:p>
         </p:txBody>
       </p:sp>
@@ -7408,7 +7479,7 @@
             <a:fld id="{48A87A34-81AB-432B-8DAE-1953F412C126}" type="datetimeFigureOut">
               <a:rPr lang="en-US" dirty="0"/>
               <a:pPr/>
-              <a:t>9/30/2018</a:t>
+              <a:t>9/10/2018</a:t>
             </a:fld>
             <a:endParaRPr lang="en-US" dirty="0"/>
           </a:p>
@@ -7943,17 +8014,8 @@
             </a:br>
             <a:r>
               <a:rPr lang="da-DK" dirty="0"/>
-              <a:t>d. </a:t>
-            </a:r>
-            <a:r>
-              <a:rPr lang="da-DK" dirty="0" smtClean="0"/>
-              <a:t>12</a:t>
-            </a:r>
-            <a:r>
-              <a:rPr lang="da-DK" dirty="0" smtClean="0"/>
-              <a:t>/7-2018</a:t>
-            </a:r>
-            <a:endParaRPr lang="da-DK" dirty="0"/>
+              <a:t>d. 10/9-2018</a:t>
+            </a:r>
           </a:p>
         </p:txBody>
       </p:sp>
@@ -8107,12 +8169,8 @@
           <a:lstStyle/>
           <a:p>
             <a:r>
-              <a:rPr lang="da-DK" dirty="0" smtClean="0"/>
-              <a:t>Introduktion til </a:t>
-            </a:r>
-            <a:r>
-              <a:rPr lang="da-DK" dirty="0"/>
-              <a:t>it-sikkerhed – Philip Kaare Løventoft - Smartlearning</a:t>
+              <a:rPr lang="da-DK" dirty="0"/>
+              <a:t>Videregående it-sikkerhed – Philip Kaare Løventoft - Smartlearning</a:t>
             </a:r>
           </a:p>
         </p:txBody>
@@ -8274,12 +8332,8 @@
           <a:lstStyle/>
           <a:p>
             <a:r>
-              <a:rPr lang="da-DK" dirty="0" smtClean="0"/>
-              <a:t>Introduktion til </a:t>
-            </a:r>
-            <a:r>
-              <a:rPr lang="da-DK" dirty="0"/>
-              <a:t>it-sikkerhed – Philip Kaare Løventoft - Smartlearning</a:t>
+              <a:rPr lang="da-DK" dirty="0"/>
+              <a:t>Videregående it-sikkerhed – Philip Kaare Løventoft - Smartlearning</a:t>
             </a:r>
           </a:p>
         </p:txBody>
@@ -8427,12 +8481,8 @@
           <a:lstStyle/>
           <a:p>
             <a:r>
-              <a:rPr lang="da-DK" dirty="0" smtClean="0"/>
-              <a:t>Introduktion til </a:t>
-            </a:r>
-            <a:r>
-              <a:rPr lang="da-DK" dirty="0"/>
-              <a:t>it-sikkerhed – Philip Kaare Løventoft - Smartlearning</a:t>
+              <a:rPr lang="da-DK" dirty="0"/>
+              <a:t>Videregående it-sikkerhed – Philip Kaare Løventoft - Smartlearning</a:t>
             </a:r>
           </a:p>
         </p:txBody>
@@ -8801,12 +8851,8 @@
           <a:lstStyle/>
           <a:p>
             <a:r>
-              <a:rPr lang="da-DK" dirty="0" smtClean="0"/>
-              <a:t>Introduktion til </a:t>
-            </a:r>
-            <a:r>
-              <a:rPr lang="da-DK" dirty="0"/>
-              <a:t>it-sikkerhed – Philip Kaare Løventoft - Smartlearning</a:t>
+              <a:rPr lang="da-DK" dirty="0"/>
+              <a:t>Videregående it-sikkerhed – Philip Kaare Løventoft - Smartlearning</a:t>
             </a:r>
           </a:p>
         </p:txBody>
@@ -8951,12 +8997,8 @@
           <a:lstStyle/>
           <a:p>
             <a:r>
-              <a:rPr lang="da-DK" dirty="0" smtClean="0"/>
-              <a:t>Introduktion til </a:t>
-            </a:r>
-            <a:r>
-              <a:rPr lang="da-DK" dirty="0"/>
-              <a:t>it-sikkerhed – Philip Kaare Løventoft - Smartlearning</a:t>
+              <a:rPr lang="da-DK" dirty="0"/>
+              <a:t>Videregående it-sikkerhed – Philip Kaare Løventoft - Smartlearning</a:t>
             </a:r>
           </a:p>
         </p:txBody>
@@ -9084,12 +9126,8 @@
           <a:lstStyle/>
           <a:p>
             <a:r>
-              <a:rPr lang="da-DK" dirty="0" smtClean="0"/>
-              <a:t>Introduktion til </a:t>
-            </a:r>
-            <a:r>
-              <a:rPr lang="da-DK" dirty="0"/>
-              <a:t>it-sikkerhed – Philip Kaare Løventoft - Smartlearning</a:t>
+              <a:rPr lang="da-DK" dirty="0"/>
+              <a:t>Videregående it-sikkerhed – Philip Kaare Løventoft - Smartlearning</a:t>
             </a:r>
           </a:p>
         </p:txBody>
@@ -9233,12 +9271,8 @@
           <a:lstStyle/>
           <a:p>
             <a:r>
-              <a:rPr lang="da-DK" dirty="0" smtClean="0"/>
-              <a:t>Introduktion til </a:t>
-            </a:r>
-            <a:r>
-              <a:rPr lang="da-DK" dirty="0"/>
-              <a:t>it-sikkerhed – Philip Kaare Løventoft - Smartlearning</a:t>
+              <a:rPr lang="da-DK" dirty="0"/>
+              <a:t>Videregående it-sikkerhed – Philip Kaare Løventoft - Smartlearning</a:t>
             </a:r>
           </a:p>
         </p:txBody>
@@ -9422,12 +9456,8 @@
           <a:lstStyle/>
           <a:p>
             <a:r>
-              <a:rPr lang="da-DK" dirty="0" smtClean="0"/>
-              <a:t>Introduktion til </a:t>
-            </a:r>
-            <a:r>
-              <a:rPr lang="da-DK" dirty="0"/>
-              <a:t>it-sikkerhed – Philip Kaare Løventoft - Smartlearning</a:t>
+              <a:rPr lang="da-DK" dirty="0"/>
+              <a:t>Videregående it-sikkerhed – Philip Kaare Løventoft - Smartlearning</a:t>
             </a:r>
           </a:p>
         </p:txBody>
@@ -9530,12 +9560,8 @@
           <a:lstStyle/>
           <a:p>
             <a:r>
-              <a:rPr lang="da-DK" dirty="0" smtClean="0"/>
-              <a:t>Introduktion til </a:t>
-            </a:r>
-            <a:r>
-              <a:rPr lang="da-DK" dirty="0"/>
-              <a:t>it-sikkerhed – Philip Kaare Løventoft - Smartlearning</a:t>
+              <a:rPr lang="da-DK" dirty="0"/>
+              <a:t>Videregående it-sikkerhed – Philip Kaare Løventoft - Smartlearning</a:t>
             </a:r>
           </a:p>
         </p:txBody>
@@ -9680,16 +9706,8 @@
           <a:lstStyle/>
           <a:p>
             <a:r>
-              <a:rPr lang="da-DK" dirty="0" smtClean="0"/>
-              <a:t>Introduktion til </a:t>
-            </a:r>
-            <a:r>
-              <a:rPr lang="da-DK" dirty="0" smtClean="0"/>
-              <a:t>it-sikkerhed </a:t>
-            </a:r>
-            <a:r>
-              <a:rPr lang="da-DK" dirty="0"/>
-              <a:t>– Philip Kaare Løventoft - Smartlearning</a:t>
+              <a:rPr lang="da-DK" dirty="0"/>
+              <a:t>Videregående it-sikkerhed – Philip Kaare Løventoft - Smartlearning</a:t>
             </a:r>
           </a:p>
         </p:txBody>
@@ -9756,7 +9774,12 @@
             <p:ph idx="1"/>
           </p:nvPr>
         </p:nvSpPr>
-        <p:spPr/>
+        <p:spPr>
+          <a:xfrm>
+            <a:off x="1443491" y="2015733"/>
+            <a:ext cx="6571343" cy="3861539"/>
+          </a:xfrm>
+        </p:spPr>
         <p:txBody>
           <a:bodyPr>
             <a:normAutofit fontScale="85000" lnSpcReduction="20000"/>
@@ -9766,6 +9789,12 @@
             <a:r>
               <a:rPr lang="da-DK" dirty="0"/>
               <a:t>Mit navn er Philip Kaare Løventoft.</a:t>
+            </a:r>
+          </a:p>
+          <a:p>
+            <a:r>
+              <a:rPr lang="da-DK" dirty="0"/>
+              <a:t>Softwareingenør hos Rovsing.</a:t>
             </a:r>
           </a:p>
           <a:p>
@@ -9870,12 +9899,8 @@
           <a:lstStyle/>
           <a:p>
             <a:r>
-              <a:rPr lang="da-DK" dirty="0" smtClean="0"/>
-              <a:t>Introduktion til </a:t>
-            </a:r>
-            <a:r>
-              <a:rPr lang="da-DK" dirty="0"/>
-              <a:t>it-sikkerhed – Philip Kaare Løventoft - Smartlearning</a:t>
+              <a:rPr lang="da-DK" dirty="0"/>
+              <a:t>Videregående it-sikkerhed – Philip Kaare Løventoft - Smartlearning</a:t>
             </a:r>
           </a:p>
         </p:txBody>
@@ -10021,7 +10046,7 @@
       </p:pic>
       <p:sp>
         <p:nvSpPr>
-          <p:cNvPr id="7" name="Pladsholder til sidefod 3"/>
+          <p:cNvPr id="6" name="Pladsholder til sidefod 3"/>
           <p:cNvSpPr>
             <a:spLocks noGrp="1"/>
           </p:cNvSpPr>
@@ -10040,16 +10065,8 @@
           <a:lstStyle/>
           <a:p>
             <a:r>
-              <a:rPr lang="da-DK" dirty="0" smtClean="0"/>
-              <a:t>Introduktion til </a:t>
-            </a:r>
-            <a:r>
-              <a:rPr lang="da-DK" dirty="0" smtClean="0"/>
-              <a:t>it-sikkerhed </a:t>
-            </a:r>
-            <a:r>
-              <a:rPr lang="da-DK" dirty="0"/>
-              <a:t>– Philip Kaare Løventoft - Smartlearning</a:t>
+              <a:rPr lang="da-DK" dirty="0"/>
+              <a:t>Videregående it-sikkerhed – Philip Kaare Løventoft - Smartlearning</a:t>
             </a:r>
           </a:p>
         </p:txBody>
@@ -10173,12 +10190,8 @@
           <a:lstStyle/>
           <a:p>
             <a:r>
-              <a:rPr lang="da-DK" dirty="0" smtClean="0"/>
-              <a:t>Introduktion til </a:t>
-            </a:r>
-            <a:r>
-              <a:rPr lang="da-DK" dirty="0"/>
-              <a:t>it-sikkerhed – Philip Kaare Løventoft - Smartlearning</a:t>
+              <a:rPr lang="da-DK" dirty="0"/>
+              <a:t>Videregående it-sikkerhed – Philip Kaare Løventoft - Smartlearning</a:t>
             </a:r>
           </a:p>
         </p:txBody>
@@ -10286,12 +10299,8 @@
           <a:lstStyle/>
           <a:p>
             <a:r>
-              <a:rPr lang="da-DK" dirty="0" smtClean="0"/>
-              <a:t>Introduktion til </a:t>
-            </a:r>
-            <a:r>
-              <a:rPr lang="da-DK" dirty="0"/>
-              <a:t>it-sikkerhed – Philip Kaare Løventoft - Smartlearning</a:t>
+              <a:rPr lang="da-DK" dirty="0"/>
+              <a:t>Videregående it-sikkerhed – Philip Kaare Løventoft - Smartlearning</a:t>
             </a:r>
           </a:p>
         </p:txBody>
@@ -10419,12 +10428,8 @@
           <a:lstStyle/>
           <a:p>
             <a:r>
-              <a:rPr lang="da-DK" dirty="0" smtClean="0"/>
-              <a:t>Introduktion til </a:t>
-            </a:r>
-            <a:r>
-              <a:rPr lang="da-DK" dirty="0"/>
-              <a:t>it-sikkerhed – Philip Kaare Løventoft - Smartlearning</a:t>
+              <a:rPr lang="da-DK" dirty="0"/>
+              <a:t>Videregående it-sikkerhed – Philip Kaare Løventoft - Smartlearning</a:t>
             </a:r>
           </a:p>
         </p:txBody>
@@ -10577,12 +10582,8 @@
           <a:lstStyle/>
           <a:p>
             <a:r>
-              <a:rPr lang="da-DK" dirty="0" smtClean="0"/>
-              <a:t>Introduktion til </a:t>
-            </a:r>
-            <a:r>
-              <a:rPr lang="da-DK" dirty="0"/>
-              <a:t>it-sikkerhed – Philip Kaare Løventoft - Smartlearning</a:t>
+              <a:rPr lang="da-DK" dirty="0"/>
+              <a:t>Videregående it-sikkerhed – Philip Kaare Løventoft - Smartlearning</a:t>
             </a:r>
           </a:p>
         </p:txBody>
@@ -10694,12 +10695,8 @@
           <a:lstStyle/>
           <a:p>
             <a:r>
-              <a:rPr lang="da-DK" dirty="0" smtClean="0"/>
-              <a:t>Introduktion til </a:t>
-            </a:r>
-            <a:r>
-              <a:rPr lang="da-DK" dirty="0"/>
-              <a:t>it-sikkerhed – Philip Kaare Løventoft - Smartlearning</a:t>
+              <a:rPr lang="da-DK" dirty="0"/>
+              <a:t>Videregående it-sikkerhed – Philip Kaare Løventoft - Smartlearning</a:t>
             </a:r>
           </a:p>
         </p:txBody>
